--- a/Movie/(210820)sentiment_analysis_bert(이천솔).pptx
+++ b/Movie/(210820)sentiment_analysis_bert(이천솔).pptx
@@ -246,7 +246,7 @@
           <a:p>
             <a:fld id="{E1A6B4F0-AEE2-4951-90CC-0A384C121DBD}" type="datetimeFigureOut">
               <a:rPr lang="ko-KR" altLang="en-US" smtClean="0"/>
-              <a:t>2021-08-20</a:t>
+              <a:t>2021-12-14</a:t>
             </a:fld>
             <a:endParaRPr lang="ko-KR" altLang="en-US"/>
           </a:p>
@@ -1282,7 +1282,7 @@
           <a:p>
             <a:fld id="{EBBBFF2D-8249-458D-9364-073002D4312C}" type="datetimeFigureOut">
               <a:rPr lang="ko-KR" altLang="en-US" smtClean="0"/>
-              <a:t>2021-08-20</a:t>
+              <a:t>2021-12-14</a:t>
             </a:fld>
             <a:endParaRPr lang="ko-KR" altLang="en-US"/>
           </a:p>
@@ -1427,7 +1427,7 @@
           <a:p>
             <a:fld id="{EBBBFF2D-8249-458D-9364-073002D4312C}" type="datetimeFigureOut">
               <a:rPr lang="ko-KR" altLang="en-US" smtClean="0"/>
-              <a:t>2021-08-20</a:t>
+              <a:t>2021-12-14</a:t>
             </a:fld>
             <a:endParaRPr lang="ko-KR" altLang="en-US"/>
           </a:p>
@@ -1582,7 +1582,7 @@
           <a:p>
             <a:fld id="{EBBBFF2D-8249-458D-9364-073002D4312C}" type="datetimeFigureOut">
               <a:rPr lang="ko-KR" altLang="en-US" smtClean="0"/>
-              <a:t>2021-08-20</a:t>
+              <a:t>2021-12-14</a:t>
             </a:fld>
             <a:endParaRPr lang="ko-KR" altLang="en-US"/>
           </a:p>
@@ -1767,7 +1767,7 @@
           <a:p>
             <a:fld id="{7C447AE5-4366-4128-A7A5-38C8B0345485}" type="datetimeFigureOut">
               <a:rPr lang="ko-KR" altLang="en-US" smtClean="0"/>
-              <a:t>2021-08-20</a:t>
+              <a:t>2021-12-14</a:t>
             </a:fld>
             <a:endParaRPr lang="ko-KR" altLang="en-US"/>
           </a:p>
@@ -1965,7 +1965,7 @@
           <a:p>
             <a:fld id="{7C447AE5-4366-4128-A7A5-38C8B0345485}" type="datetimeFigureOut">
               <a:rPr lang="ko-KR" altLang="en-US" smtClean="0"/>
-              <a:t>2021-08-20</a:t>
+              <a:t>2021-12-14</a:t>
             </a:fld>
             <a:endParaRPr lang="ko-KR" altLang="en-US"/>
           </a:p>
@@ -2240,7 +2240,7 @@
           <a:p>
             <a:fld id="{7C447AE5-4366-4128-A7A5-38C8B0345485}" type="datetimeFigureOut">
               <a:rPr lang="ko-KR" altLang="en-US" smtClean="0"/>
-              <a:t>2021-08-20</a:t>
+              <a:t>2021-12-14</a:t>
             </a:fld>
             <a:endParaRPr lang="ko-KR" altLang="en-US"/>
           </a:p>
@@ -2505,7 +2505,7 @@
           <a:p>
             <a:fld id="{7C447AE5-4366-4128-A7A5-38C8B0345485}" type="datetimeFigureOut">
               <a:rPr lang="ko-KR" altLang="en-US" smtClean="0"/>
-              <a:t>2021-08-20</a:t>
+              <a:t>2021-12-14</a:t>
             </a:fld>
             <a:endParaRPr lang="ko-KR" altLang="en-US"/>
           </a:p>
@@ -2917,7 +2917,7 @@
           <a:p>
             <a:fld id="{7C447AE5-4366-4128-A7A5-38C8B0345485}" type="datetimeFigureOut">
               <a:rPr lang="ko-KR" altLang="en-US" smtClean="0"/>
-              <a:t>2021-08-20</a:t>
+              <a:t>2021-12-14</a:t>
             </a:fld>
             <a:endParaRPr lang="ko-KR" altLang="en-US"/>
           </a:p>
@@ -3058,7 +3058,7 @@
           <a:p>
             <a:fld id="{7C447AE5-4366-4128-A7A5-38C8B0345485}" type="datetimeFigureOut">
               <a:rPr lang="ko-KR" altLang="en-US" smtClean="0"/>
-              <a:t>2021-08-20</a:t>
+              <a:t>2021-12-14</a:t>
             </a:fld>
             <a:endParaRPr lang="ko-KR" altLang="en-US"/>
           </a:p>
@@ -3171,7 +3171,7 @@
           <a:p>
             <a:fld id="{7C447AE5-4366-4128-A7A5-38C8B0345485}" type="datetimeFigureOut">
               <a:rPr lang="ko-KR" altLang="en-US" smtClean="0"/>
-              <a:t>2021-08-20</a:t>
+              <a:t>2021-12-14</a:t>
             </a:fld>
             <a:endParaRPr lang="ko-KR" altLang="en-US"/>
           </a:p>
@@ -3482,7 +3482,7 @@
           <a:p>
             <a:fld id="{7C447AE5-4366-4128-A7A5-38C8B0345485}" type="datetimeFigureOut">
               <a:rPr lang="ko-KR" altLang="en-US" smtClean="0"/>
-              <a:t>2021-08-20</a:t>
+              <a:t>2021-12-14</a:t>
             </a:fld>
             <a:endParaRPr lang="ko-KR" altLang="en-US"/>
           </a:p>
@@ -3662,7 +3662,7 @@
           <a:p>
             <a:fld id="{EBBBFF2D-8249-458D-9364-073002D4312C}" type="datetimeFigureOut">
               <a:rPr lang="ko-KR" altLang="en-US" smtClean="0"/>
-              <a:t>2021-08-20</a:t>
+              <a:t>2021-12-14</a:t>
             </a:fld>
             <a:endParaRPr lang="ko-KR" altLang="en-US"/>
           </a:p>
@@ -3915,7 +3915,7 @@
           <a:p>
             <a:fld id="{7C447AE5-4366-4128-A7A5-38C8B0345485}" type="datetimeFigureOut">
               <a:rPr lang="ko-KR" altLang="en-US" smtClean="0"/>
-              <a:t>2021-08-20</a:t>
+              <a:t>2021-12-14</a:t>
             </a:fld>
             <a:endParaRPr lang="ko-KR" altLang="en-US"/>
           </a:p>
@@ -4113,7 +4113,7 @@
           <a:p>
             <a:fld id="{7C447AE5-4366-4128-A7A5-38C8B0345485}" type="datetimeFigureOut">
               <a:rPr lang="ko-KR" altLang="en-US" smtClean="0"/>
-              <a:t>2021-08-20</a:t>
+              <a:t>2021-12-14</a:t>
             </a:fld>
             <a:endParaRPr lang="ko-KR" altLang="en-US"/>
           </a:p>
@@ -4321,7 +4321,7 @@
           <a:p>
             <a:fld id="{7C447AE5-4366-4128-A7A5-38C8B0345485}" type="datetimeFigureOut">
               <a:rPr lang="ko-KR" altLang="en-US" smtClean="0"/>
-              <a:t>2021-08-20</a:t>
+              <a:t>2021-12-14</a:t>
             </a:fld>
             <a:endParaRPr lang="ko-KR" altLang="en-US"/>
           </a:p>
@@ -4578,7 +4578,7 @@
           <a:p>
             <a:fld id="{EBBBFF2D-8249-458D-9364-073002D4312C}" type="datetimeFigureOut">
               <a:rPr lang="ko-KR" altLang="en-US" smtClean="0"/>
-              <a:t>2021-08-20</a:t>
+              <a:t>2021-12-14</a:t>
             </a:fld>
             <a:endParaRPr lang="ko-KR" altLang="en-US"/>
           </a:p>
@@ -4784,7 +4784,7 @@
           <a:p>
             <a:fld id="{EBBBFF2D-8249-458D-9364-073002D4312C}" type="datetimeFigureOut">
               <a:rPr lang="ko-KR" altLang="en-US" smtClean="0"/>
-              <a:t>2021-08-20</a:t>
+              <a:t>2021-12-14</a:t>
             </a:fld>
             <a:endParaRPr lang="ko-KR" altLang="en-US"/>
           </a:p>
@@ -5125,7 +5125,7 @@
           <a:p>
             <a:fld id="{EBBBFF2D-8249-458D-9364-073002D4312C}" type="datetimeFigureOut">
               <a:rPr lang="ko-KR" altLang="en-US" smtClean="0"/>
-              <a:t>2021-08-20</a:t>
+              <a:t>2021-12-14</a:t>
             </a:fld>
             <a:endParaRPr lang="ko-KR" altLang="en-US"/>
           </a:p>
@@ -5219,7 +5219,7 @@
           <a:p>
             <a:fld id="{EBBBFF2D-8249-458D-9364-073002D4312C}" type="datetimeFigureOut">
               <a:rPr lang="ko-KR" altLang="en-US" smtClean="0"/>
-              <a:t>2021-08-20</a:t>
+              <a:t>2021-12-14</a:t>
             </a:fld>
             <a:endParaRPr lang="ko-KR" altLang="en-US"/>
           </a:p>
@@ -5291,7 +5291,7 @@
           <a:p>
             <a:fld id="{EBBBFF2D-8249-458D-9364-073002D4312C}" type="datetimeFigureOut">
               <a:rPr lang="ko-KR" altLang="en-US" smtClean="0"/>
-              <a:t>2021-08-20</a:t>
+              <a:t>2021-12-14</a:t>
             </a:fld>
             <a:endParaRPr lang="ko-KR" altLang="en-US"/>
           </a:p>
@@ -5543,7 +5543,7 @@
           <a:p>
             <a:fld id="{EBBBFF2D-8249-458D-9364-073002D4312C}" type="datetimeFigureOut">
               <a:rPr lang="ko-KR" altLang="en-US" smtClean="0"/>
-              <a:t>2021-08-20</a:t>
+              <a:t>2021-12-14</a:t>
             </a:fld>
             <a:endParaRPr lang="ko-KR" altLang="en-US"/>
           </a:p>
@@ -5772,7 +5772,7 @@
           <a:p>
             <a:fld id="{EBBBFF2D-8249-458D-9364-073002D4312C}" type="datetimeFigureOut">
               <a:rPr lang="ko-KR" altLang="en-US" smtClean="0"/>
-              <a:t>2021-08-20</a:t>
+              <a:t>2021-12-14</a:t>
             </a:fld>
             <a:endParaRPr lang="ko-KR" altLang="en-US"/>
           </a:p>
@@ -5960,7 +5960,7 @@
           <a:p>
             <a:fld id="{EBBBFF2D-8249-458D-9364-073002D4312C}" type="datetimeFigureOut">
               <a:rPr lang="ko-KR" altLang="en-US" smtClean="0"/>
-              <a:t>2021-08-20</a:t>
+              <a:t>2021-12-14</a:t>
             </a:fld>
             <a:endParaRPr lang="ko-KR" altLang="en-US"/>
           </a:p>
@@ -6669,7 +6669,7 @@
           <a:p>
             <a:fld id="{7C447AE5-4366-4128-A7A5-38C8B0345485}" type="datetimeFigureOut">
               <a:rPr lang="ko-KR" altLang="en-US" smtClean="0"/>
-              <a:t>2021-08-20</a:t>
+              <a:t>2021-12-14</a:t>
             </a:fld>
             <a:endParaRPr lang="ko-KR" altLang="en-US"/>
           </a:p>
@@ -7725,14 +7725,14 @@
           <p:nvPr>
             <p:extLst>
               <p:ext uri="{D42A27DB-BD31-4B8C-83A1-F6EECF244321}">
-                <p14:modId xmlns:p14="http://schemas.microsoft.com/office/powerpoint/2010/main" val="645784834"/>
+                <p14:modId xmlns:p14="http://schemas.microsoft.com/office/powerpoint/2010/main" val="152909222"/>
               </p:ext>
             </p:extLst>
           </p:nvPr>
         </p:nvGraphicFramePr>
         <p:xfrm>
           <a:off x="2032000" y="2834639"/>
-          <a:ext cx="8128000" cy="3708400"/>
+          <a:ext cx="8128000" cy="3337560"/>
         </p:xfrm>
         <a:graphic>
           <a:graphicData uri="http://schemas.openxmlformats.org/drawingml/2006/table">
@@ -7981,11 +7981,11 @@
                     <a:p>
                       <a:pPr algn="ctr" latinLnBrk="1"/>
                       <a:r>
-                        <a:rPr lang="en-US" altLang="ko-KR" dirty="0">
+                        <a:rPr lang="en-US" altLang="ko-KR">
                           <a:latin typeface="나눔스퀘어 Bold" panose="020B0600000101010101" pitchFamily="50" charset="-127"/>
                           <a:ea typeface="나눔스퀘어 Bold" panose="020B0600000101010101" pitchFamily="50" charset="-127"/>
                         </a:rPr>
-                        <a:t>1.4</a:t>
+                        <a:t>Remove</a:t>
                       </a:r>
                       <a:endParaRPr lang="ko-KR" altLang="en-US" dirty="0">
                         <a:latin typeface="나눔스퀘어 Bold" panose="020B0600000101010101" pitchFamily="50" charset="-127"/>
@@ -7998,55 +7998,6 @@
                 <a:extLst>
                   <a:ext uri="{0D108BD9-81ED-4DB2-BD59-A6C34878D82A}">
                     <a16:rowId xmlns:a16="http://schemas.microsoft.com/office/drawing/2014/main" val="3120903886"/>
-                  </a:ext>
-                </a:extLst>
-              </a:tr>
-              <a:tr h="370840">
-                <a:tc>
-                  <a:txBody>
-                    <a:bodyPr/>
-                    <a:lstStyle/>
-                    <a:p>
-                      <a:pPr algn="ctr" latinLnBrk="1"/>
-                      <a:r>
-                        <a:rPr lang="en-US" altLang="ko-KR" dirty="0">
-                          <a:latin typeface="나눔스퀘어 Bold" panose="020B0600000101010101" pitchFamily="50" charset="-127"/>
-                          <a:ea typeface="나눔스퀘어 Bold" panose="020B0600000101010101" pitchFamily="50" charset="-127"/>
-                        </a:rPr>
-                        <a:t>0/4</a:t>
-                      </a:r>
-                      <a:endParaRPr lang="ko-KR" altLang="en-US" dirty="0">
-                        <a:latin typeface="나눔스퀘어 Bold" panose="020B0600000101010101" pitchFamily="50" charset="-127"/>
-                        <a:ea typeface="나눔스퀘어 Bold" panose="020B0600000101010101" pitchFamily="50" charset="-127"/>
-                      </a:endParaRPr>
-                    </a:p>
-                  </a:txBody>
-                  <a:tcPr/>
-                </a:tc>
-                <a:tc>
-                  <a:txBody>
-                    <a:bodyPr/>
-                    <a:lstStyle/>
-                    <a:p>
-                      <a:pPr algn="ctr" latinLnBrk="1"/>
-                      <a:r>
-                        <a:rPr lang="en-US" altLang="ko-KR" dirty="0">
-                          <a:latin typeface="나눔스퀘어 Bold" panose="020B0600000101010101" pitchFamily="50" charset="-127"/>
-                          <a:ea typeface="나눔스퀘어 Bold" panose="020B0600000101010101" pitchFamily="50" charset="-127"/>
-                        </a:rPr>
-                        <a:t>0.94</a:t>
-                      </a:r>
-                      <a:endParaRPr lang="ko-KR" altLang="en-US" dirty="0">
-                        <a:latin typeface="나눔스퀘어 Bold" panose="020B0600000101010101" pitchFamily="50" charset="-127"/>
-                        <a:ea typeface="나눔스퀘어 Bold" panose="020B0600000101010101" pitchFamily="50" charset="-127"/>
-                      </a:endParaRPr>
-                    </a:p>
-                  </a:txBody>
-                  <a:tcPr/>
-                </a:tc>
-                <a:extLst>
-                  <a:ext uri="{0D108BD9-81ED-4DB2-BD59-A6C34878D82A}">
-                    <a16:rowId xmlns:a16="http://schemas.microsoft.com/office/drawing/2014/main" val="1830000315"/>
                   </a:ext>
                 </a:extLst>
               </a:tr>
@@ -8079,11 +8030,11 @@
                     <a:p>
                       <a:pPr algn="ctr" latinLnBrk="1"/>
                       <a:r>
-                        <a:rPr lang="en-US" altLang="ko-KR" dirty="0">
+                        <a:rPr lang="en-US" altLang="ko-KR">
                           <a:latin typeface="나눔스퀘어 Bold" panose="020B0600000101010101" pitchFamily="50" charset="-127"/>
                           <a:ea typeface="나눔스퀘어 Bold" panose="020B0600000101010101" pitchFamily="50" charset="-127"/>
                         </a:rPr>
-                        <a:t>0.0</a:t>
+                        <a:t>Remove</a:t>
                       </a:r>
                       <a:endParaRPr lang="ko-KR" altLang="en-US" dirty="0">
                         <a:latin typeface="나눔스퀘어 Bold" panose="020B0600000101010101" pitchFamily="50" charset="-127"/>
